--- a/IOT_PHASE 5.pptx
+++ b/IOT_PHASE 5.pptx
@@ -276,7 +276,7 @@
           <a:p>
             <a:fld id="{85FC79C5-7302-604A-9396-2FD3043ED515}" type="datetimeFigureOut">
               <a:rPr lang="en-US" smtClean="0"/>
-              <a:t>11/2/2023</a:t>
+              <a:t>11/3/2023</a:t>
             </a:fld>
             <a:endParaRPr lang="en-US"/>
           </a:p>
@@ -474,7 +474,7 @@
           <a:p>
             <a:fld id="{85FC79C5-7302-604A-9396-2FD3043ED515}" type="datetimeFigureOut">
               <a:rPr lang="en-US" smtClean="0"/>
-              <a:t>11/2/2023</a:t>
+              <a:t>11/3/2023</a:t>
             </a:fld>
             <a:endParaRPr lang="en-US"/>
           </a:p>
@@ -682,7 +682,7 @@
           <a:p>
             <a:fld id="{85FC79C5-7302-604A-9396-2FD3043ED515}" type="datetimeFigureOut">
               <a:rPr lang="en-US" smtClean="0"/>
-              <a:t>11/2/2023</a:t>
+              <a:t>11/3/2023</a:t>
             </a:fld>
             <a:endParaRPr lang="en-US"/>
           </a:p>
@@ -880,7 +880,7 @@
           <a:p>
             <a:fld id="{85FC79C5-7302-604A-9396-2FD3043ED515}" type="datetimeFigureOut">
               <a:rPr lang="en-US" smtClean="0"/>
-              <a:t>11/2/2023</a:t>
+              <a:t>11/3/2023</a:t>
             </a:fld>
             <a:endParaRPr lang="en-US"/>
           </a:p>
@@ -1155,7 +1155,7 @@
           <a:p>
             <a:fld id="{85FC79C5-7302-604A-9396-2FD3043ED515}" type="datetimeFigureOut">
               <a:rPr lang="en-US" smtClean="0"/>
-              <a:t>11/2/2023</a:t>
+              <a:t>11/3/2023</a:t>
             </a:fld>
             <a:endParaRPr lang="en-US"/>
           </a:p>
@@ -1420,7 +1420,7 @@
           <a:p>
             <a:fld id="{85FC79C5-7302-604A-9396-2FD3043ED515}" type="datetimeFigureOut">
               <a:rPr lang="en-US" smtClean="0"/>
-              <a:t>11/2/2023</a:t>
+              <a:t>11/3/2023</a:t>
             </a:fld>
             <a:endParaRPr lang="en-US"/>
           </a:p>
@@ -1832,7 +1832,7 @@
           <a:p>
             <a:fld id="{85FC79C5-7302-604A-9396-2FD3043ED515}" type="datetimeFigureOut">
               <a:rPr lang="en-US" smtClean="0"/>
-              <a:t>11/2/2023</a:t>
+              <a:t>11/3/2023</a:t>
             </a:fld>
             <a:endParaRPr lang="en-US"/>
           </a:p>
@@ -1973,7 +1973,7 @@
           <a:p>
             <a:fld id="{85FC79C5-7302-604A-9396-2FD3043ED515}" type="datetimeFigureOut">
               <a:rPr lang="en-US" smtClean="0"/>
-              <a:t>11/2/2023</a:t>
+              <a:t>11/3/2023</a:t>
             </a:fld>
             <a:endParaRPr lang="en-US"/>
           </a:p>
@@ -2086,7 +2086,7 @@
           <a:p>
             <a:fld id="{85FC79C5-7302-604A-9396-2FD3043ED515}" type="datetimeFigureOut">
               <a:rPr lang="en-US" smtClean="0"/>
-              <a:t>11/2/2023</a:t>
+              <a:t>11/3/2023</a:t>
             </a:fld>
             <a:endParaRPr lang="en-US"/>
           </a:p>
@@ -2397,7 +2397,7 @@
           <a:p>
             <a:fld id="{85FC79C5-7302-604A-9396-2FD3043ED515}" type="datetimeFigureOut">
               <a:rPr lang="en-US" smtClean="0"/>
-              <a:t>11/2/2023</a:t>
+              <a:t>11/3/2023</a:t>
             </a:fld>
             <a:endParaRPr lang="en-US"/>
           </a:p>
@@ -2685,7 +2685,7 @@
           <a:p>
             <a:fld id="{85FC79C5-7302-604A-9396-2FD3043ED515}" type="datetimeFigureOut">
               <a:rPr lang="en-US" smtClean="0"/>
-              <a:t>11/2/2023</a:t>
+              <a:t>11/3/2023</a:t>
             </a:fld>
             <a:endParaRPr lang="en-US"/>
           </a:p>
@@ -2926,7 +2926,7 @@
           <a:p>
             <a:fld id="{85FC79C5-7302-604A-9396-2FD3043ED515}" type="datetimeFigureOut">
               <a:rPr lang="en-US" smtClean="0"/>
-              <a:t>11/2/2023</a:t>
+              <a:t>11/3/2023</a:t>
             </a:fld>
             <a:endParaRPr lang="en-US"/>
           </a:p>
@@ -4328,19 +4328,17 @@
       </p:sp>
       <p:pic>
         <p:nvPicPr>
-          <p:cNvPr id="4" name="Picture 4">
-            <a:extLst>
-              <a:ext uri="{FF2B5EF4-FFF2-40B4-BE49-F238E27FC236}">
-                <a16:creationId xmlns:a16="http://schemas.microsoft.com/office/drawing/2014/main" id="{A10E1702-E23D-5649-DAA5-858882BB6B22}"/>
+          <p:cNvPr id="3" name="Picture 4">
+            <a:extLst>
+              <a:ext uri="{FF2B5EF4-FFF2-40B4-BE49-F238E27FC236}">
+                <a16:creationId xmlns:a16="http://schemas.microsoft.com/office/drawing/2014/main" id="{C1EEB093-5EA3-A90F-9431-793B3FBE4002}"/>
               </a:ext>
             </a:extLst>
           </p:cNvPr>
           <p:cNvPicPr>
-            <a:picLocks noGrp="1" noChangeAspect="1"/>
+            <a:picLocks noChangeAspect="1"/>
           </p:cNvPicPr>
-          <p:nvPr>
-            <p:ph idx="1"/>
-          </p:nvPr>
+          <p:nvPr/>
         </p:nvPicPr>
         <p:blipFill>
           <a:blip r:embed="rId2">
@@ -4356,11 +4354,44 @@
         </p:blipFill>
         <p:spPr>
           <a:xfrm>
-            <a:off x="1986403" y="1825625"/>
-            <a:ext cx="8219194" cy="4351338"/>
+            <a:off x="3620683" y="719666"/>
+            <a:ext cx="3395870" cy="5418668"/>
+          </a:xfrm>
+          <a:prstGeom prst="rect">
+            <a:avLst/>
+          </a:prstGeom>
+        </p:spPr>
+      </p:pic>
+      <p:sp>
+        <p:nvSpPr>
+          <p:cNvPr id="6" name="Content Placeholder 5">
+            <a:extLst>
+              <a:ext uri="{FF2B5EF4-FFF2-40B4-BE49-F238E27FC236}">
+                <a16:creationId xmlns:a16="http://schemas.microsoft.com/office/drawing/2014/main" id="{82416864-3E7F-5C30-7223-AC7AA60EF681}"/>
+              </a:ext>
+            </a:extLst>
+          </p:cNvPr>
+          <p:cNvSpPr>
+            <a:spLocks noGrp="1"/>
+          </p:cNvSpPr>
+          <p:nvPr>
+            <p:ph idx="1"/>
+          </p:nvPr>
+        </p:nvSpPr>
+        <p:spPr>
+          <a:xfrm>
+            <a:off x="552332" y="1786996"/>
+            <a:ext cx="10515600" cy="4351338"/>
           </a:xfrm>
         </p:spPr>
-      </p:pic>
+        <p:txBody>
+          <a:bodyPr/>
+          <a:lstStyle/>
+          <a:p>
+            <a:endParaRPr lang="en-US"/>
+          </a:p>
+        </p:txBody>
+      </p:sp>
     </p:spTree>
     <p:extLst>
       <p:ext uri="{BB962C8B-B14F-4D97-AF65-F5344CB8AC3E}">
